--- a/PISCO_clase.pptx
+++ b/PISCO_clase.pptx
@@ -4133,11 +4133,7 @@
             </a:r>
             <a:r>
               <a:rPr lang="es-PE" sz="2000" dirty="0" smtClean="0"/>
-              <a:t>GEOESTADÍSTICA Y </a:t>
-            </a:r>
-            <a:r>
-              <a:rPr lang="es-PE" sz="2000" dirty="0" smtClean="0"/>
-              <a:t>DETERMINÍSTICA, </a:t>
+              <a:t>GEOESTADÍSTICA Y DETERMINÍSTICA, </a:t>
             </a:r>
             <a:r>
               <a:rPr lang="es-PE" sz="2000" dirty="0"/>
@@ -4220,23 +4216,7 @@
             </a:r>
             <a:r>
               <a:rPr lang="es-PE" sz="2000" dirty="0" smtClean="0"/>
-              <a:t>Sin embargo solo pasan el control de calidad </a:t>
-            </a:r>
-            <a:r>
-              <a:rPr lang="es-PE" sz="2000" dirty="0" smtClean="0"/>
-              <a:t>441 </a:t>
-            </a:r>
-            <a:r>
-              <a:rPr lang="es-PE" sz="2000" dirty="0" smtClean="0"/>
-              <a:t>estaciones que cubren </a:t>
-            </a:r>
-            <a:r>
-              <a:rPr lang="es-PE" sz="2000" dirty="0" smtClean="0"/>
-              <a:t>aproximadamente un poco más de un 20% </a:t>
-            </a:r>
-            <a:r>
-              <a:rPr lang="es-PE" sz="2000" dirty="0" smtClean="0"/>
-              <a:t>del territorio.</a:t>
+              <a:t>Sin embargo solo pasan el control de calidad 441 estaciones que cubren aproximadamente un poco más de un 20% del territorio.</a:t>
             </a:r>
           </a:p>
         </p:txBody>
@@ -5440,8 +5420,10 @@
           </a:p>
           <a:p>
             <a:r>
-              <a:rPr lang="es-PE" b="1" dirty="0" err="1" smtClean="0"/>
-              <a:t>mnbvcx</a:t>
+              <a:rPr lang="es-PE" dirty="0">
+                <a:hlinkClick r:id="rId2"/>
+              </a:rPr>
+              <a:t>https://github.com/manu9418/PISCO_clase</a:t>
             </a:r>
             <a:endParaRPr lang="es-PE" dirty="0"/>
           </a:p>

--- a/PISCO_clase.pptx
+++ b/PISCO_clase.pptx
@@ -5420,10 +5420,10 @@
           </a:p>
           <a:p>
             <a:r>
-              <a:rPr lang="es-PE" dirty="0">
+              <a:rPr lang="es-PE">
                 <a:hlinkClick r:id="rId2"/>
               </a:rPr>
-              <a:t>https://github.com/manu9418/PISCO_clase</a:t>
+              <a:t>https://mybinder.org/v2/gh/manu9418/PISCO_clase/master</a:t>
             </a:r>
             <a:endParaRPr lang="es-PE" dirty="0"/>
           </a:p>

--- a/PISCO_clase.pptx
+++ b/PISCO_clase.pptx
@@ -5420,12 +5420,125 @@
           </a:p>
           <a:p>
             <a:r>
-              <a:rPr lang="es-PE">
+              <a:rPr lang="es-PE" dirty="0">
                 <a:hlinkClick r:id="rId2"/>
               </a:rPr>
               <a:t>https://mybinder.org/v2/gh/manu9418/PISCO_clase/master</a:t>
             </a:r>
             <a:endParaRPr lang="es-PE" dirty="0"/>
+          </a:p>
+        </p:txBody>
+      </p:sp>
+      <p:sp>
+        <p:nvSpPr>
+          <p:cNvPr id="4" name="Rectángulo 3"/>
+          <p:cNvSpPr/>
+          <p:nvPr/>
+        </p:nvSpPr>
+        <p:spPr>
+          <a:xfrm>
+            <a:off x="1343025" y="4115872"/>
+            <a:ext cx="5129994" cy="1477328"/>
+          </a:xfrm>
+          <a:prstGeom prst="rect">
+            <a:avLst/>
+          </a:prstGeom>
+        </p:spPr>
+        <p:txBody>
+          <a:bodyPr wrap="none">
+            <a:spAutoFit/>
+          </a:bodyPr>
+          <a:lstStyle/>
+          <a:p>
+            <a:r>
+              <a:rPr lang="es-PE" b="1" dirty="0" smtClean="0"/>
+              <a:t>Links de códigos en R:</a:t>
+            </a:r>
+            <a:endParaRPr lang="es-PE" dirty="0" smtClean="0">
+              <a:hlinkClick r:id="rId3"/>
+            </a:endParaRPr>
+          </a:p>
+          <a:p>
+            <a:r>
+              <a:rPr lang="es-PE" dirty="0" smtClean="0">
+                <a:hlinkClick r:id="rId3"/>
+              </a:rPr>
+              <a:t>https</a:t>
+            </a:r>
+            <a:r>
+              <a:rPr lang="es-PE" dirty="0">
+                <a:hlinkClick r:id="rId3"/>
+              </a:rPr>
+              <a:t>://</a:t>
+            </a:r>
+            <a:r>
+              <a:rPr lang="es-PE" dirty="0" smtClean="0">
+                <a:hlinkClick r:id="rId3"/>
+              </a:rPr>
+              <a:t>github.com/Hydroenvironment/PISCO-Precip</a:t>
+            </a:r>
+            <a:endParaRPr lang="es-PE" dirty="0" smtClean="0"/>
+          </a:p>
+          <a:p>
+            <a:r>
+              <a:rPr lang="es-PE" dirty="0">
+                <a:hlinkClick r:id="rId4"/>
+              </a:rPr>
+              <a:t>https://github.com/JoseZevallosR/Daily_Pisco</a:t>
+            </a:r>
+            <a:endParaRPr lang="es-PE" dirty="0"/>
+          </a:p>
+          <a:p>
+            <a:r>
+              <a:rPr lang="es-PE" dirty="0">
+                <a:hlinkClick r:id="rId5"/>
+              </a:rPr>
+              <a:t>https://github.com/JoseZevallosR/PISCOO</a:t>
+            </a:r>
+            <a:endParaRPr lang="es-PE" dirty="0" smtClean="0"/>
+          </a:p>
+          <a:p>
+            <a:r>
+              <a:rPr lang="es-PE" dirty="0">
+                <a:hlinkClick r:id="rId6"/>
+              </a:rPr>
+              <a:t>https://github.com/adrHuerta/MIDAS</a:t>
+            </a:r>
+            <a:endParaRPr lang="es-PE" dirty="0"/>
+          </a:p>
+        </p:txBody>
+      </p:sp>
+      <p:sp>
+        <p:nvSpPr>
+          <p:cNvPr id="5" name="CuadroTexto 4"/>
+          <p:cNvSpPr txBox="1"/>
+          <p:nvPr/>
+        </p:nvSpPr>
+        <p:spPr>
+          <a:xfrm>
+            <a:off x="1343025" y="3592652"/>
+            <a:ext cx="10086975" cy="523220"/>
+          </a:xfrm>
+          <a:prstGeom prst="rect">
+            <a:avLst/>
+          </a:prstGeom>
+          <a:noFill/>
+        </p:spPr>
+        <p:txBody>
+          <a:bodyPr wrap="square" rtlCol="0">
+            <a:spAutoFit/>
+          </a:bodyPr>
+          <a:lstStyle/>
+          <a:p>
+            <a:r>
+              <a:rPr lang="es-PE" sz="2800" dirty="0" smtClean="0"/>
+              <a:t>Extras</a:t>
+            </a:r>
+            <a:r>
+              <a:rPr lang="en-US" sz="2800" dirty="0" smtClean="0"/>
+              <a:t>:</a:t>
+            </a:r>
+            <a:endParaRPr lang="en-US" dirty="0" smtClean="0"/>
           </a:p>
         </p:txBody>
       </p:sp>
